--- a/security/2.발표자료/chapter5/안전하지않은코딩스타일.pptx
+++ b/security/2.발표자료/chapter5/안전하지않은코딩스타일.pptx
@@ -9,6 +9,11 @@
     <p:sldId id="257" r:id="rId3"/>
     <p:sldId id="259" r:id="rId4"/>
     <p:sldId id="260" r:id="rId5"/>
+    <p:sldId id="261" r:id="rId6"/>
+    <p:sldId id="262" r:id="rId7"/>
+    <p:sldId id="263" r:id="rId8"/>
+    <p:sldId id="264" r:id="rId9"/>
+    <p:sldId id="265" r:id="rId10"/>
   </p:sldIdLst>
   <p:sldSz cx="12192000" cy="6858000"/>
   <p:notesSz cx="6858000" cy="9144000"/>
@@ -107,6 +112,11 @@
       </a:defRPr>
     </a:lvl9pPr>
   </p:defaultTextStyle>
+  <p:extLst>
+    <p:ext uri="{EFAFB233-063F-42B5-8137-9DF3F51BA10A}">
+      <p15:sldGuideLst xmlns:p15="http://schemas.microsoft.com/office/powerpoint/2012/main"/>
+    </p:ext>
+  </p:extLst>
 </p:presentation>
 </file>
 
@@ -152,10 +162,9 @@
           </a:lstStyle>
           <a:p>
             <a:r>
-              <a:rPr lang="ko-KR" altLang="en-US" smtClean="0"/>
+              <a:rPr lang="ko-KR" altLang="en-US"/>
               <a:t>마스터 제목 스타일 편집</a:t>
             </a:r>
-            <a:endParaRPr lang="ko-KR" altLang="en-US"/>
           </a:p>
         </p:txBody>
       </p:sp>
@@ -217,10 +226,9 @@
           </a:lstStyle>
           <a:p>
             <a:r>
-              <a:rPr lang="ko-KR" altLang="en-US" smtClean="0"/>
+              <a:rPr lang="ko-KR" altLang="en-US"/>
               <a:t>마스터 부제목 스타일 편집</a:t>
             </a:r>
-            <a:endParaRPr lang="ko-KR" altLang="en-US"/>
           </a:p>
         </p:txBody>
       </p:sp>
@@ -241,7 +249,7 @@
           <a:p>
             <a:fld id="{B3380114-06A1-439A-86CC-B9A389D12CE5}" type="datetimeFigureOut">
               <a:rPr lang="ko-KR" altLang="en-US" smtClean="0"/>
-              <a:t>2019-06-22</a:t>
+              <a:t>2019-06-26</a:t>
             </a:fld>
             <a:endParaRPr lang="ko-KR" altLang="en-US"/>
           </a:p>
@@ -335,10 +343,9 @@
           <a:lstStyle/>
           <a:p>
             <a:r>
-              <a:rPr lang="ko-KR" altLang="en-US" smtClean="0"/>
+              <a:rPr lang="ko-KR" altLang="en-US"/>
               <a:t>마스터 제목 스타일 편집</a:t>
             </a:r>
-            <a:endParaRPr lang="ko-KR" altLang="en-US"/>
           </a:p>
         </p:txBody>
       </p:sp>
@@ -359,38 +366,37 @@
           <a:p>
             <a:pPr lvl="0"/>
             <a:r>
-              <a:rPr lang="ko-KR" altLang="en-US" smtClean="0"/>
+              <a:rPr lang="ko-KR" altLang="en-US"/>
               <a:t>마스터 텍스트 스타일을 편집합니다</a:t>
             </a:r>
           </a:p>
           <a:p>
             <a:pPr lvl="1"/>
             <a:r>
-              <a:rPr lang="ko-KR" altLang="en-US" smtClean="0"/>
+              <a:rPr lang="ko-KR" altLang="en-US"/>
               <a:t>둘째 수준</a:t>
             </a:r>
           </a:p>
           <a:p>
             <a:pPr lvl="2"/>
             <a:r>
-              <a:rPr lang="ko-KR" altLang="en-US" smtClean="0"/>
+              <a:rPr lang="ko-KR" altLang="en-US"/>
               <a:t>셋째 수준</a:t>
             </a:r>
           </a:p>
           <a:p>
             <a:pPr lvl="3"/>
             <a:r>
-              <a:rPr lang="ko-KR" altLang="en-US" smtClean="0"/>
+              <a:rPr lang="ko-KR" altLang="en-US"/>
               <a:t>넷째 수준</a:t>
             </a:r>
           </a:p>
           <a:p>
             <a:pPr lvl="4"/>
             <a:r>
-              <a:rPr lang="ko-KR" altLang="en-US" smtClean="0"/>
+              <a:rPr lang="ko-KR" altLang="en-US"/>
               <a:t>다섯째 수준</a:t>
             </a:r>
-            <a:endParaRPr lang="ko-KR" altLang="en-US"/>
           </a:p>
         </p:txBody>
       </p:sp>
@@ -411,7 +417,7 @@
           <a:p>
             <a:fld id="{B3380114-06A1-439A-86CC-B9A389D12CE5}" type="datetimeFigureOut">
               <a:rPr lang="ko-KR" altLang="en-US" smtClean="0"/>
-              <a:t>2019-06-22</a:t>
+              <a:t>2019-06-26</a:t>
             </a:fld>
             <a:endParaRPr lang="ko-KR" altLang="en-US"/>
           </a:p>
@@ -510,10 +516,9 @@
           <a:lstStyle/>
           <a:p>
             <a:r>
-              <a:rPr lang="ko-KR" altLang="en-US" smtClean="0"/>
+              <a:rPr lang="ko-KR" altLang="en-US"/>
               <a:t>마스터 제목 스타일 편집</a:t>
             </a:r>
-            <a:endParaRPr lang="ko-KR" altLang="en-US"/>
           </a:p>
         </p:txBody>
       </p:sp>
@@ -539,38 +544,37 @@
           <a:p>
             <a:pPr lvl="0"/>
             <a:r>
-              <a:rPr lang="ko-KR" altLang="en-US" smtClean="0"/>
+              <a:rPr lang="ko-KR" altLang="en-US"/>
               <a:t>마스터 텍스트 스타일을 편집합니다</a:t>
             </a:r>
           </a:p>
           <a:p>
             <a:pPr lvl="1"/>
             <a:r>
-              <a:rPr lang="ko-KR" altLang="en-US" smtClean="0"/>
+              <a:rPr lang="ko-KR" altLang="en-US"/>
               <a:t>둘째 수준</a:t>
             </a:r>
           </a:p>
           <a:p>
             <a:pPr lvl="2"/>
             <a:r>
-              <a:rPr lang="ko-KR" altLang="en-US" smtClean="0"/>
+              <a:rPr lang="ko-KR" altLang="en-US"/>
               <a:t>셋째 수준</a:t>
             </a:r>
           </a:p>
           <a:p>
             <a:pPr lvl="3"/>
             <a:r>
-              <a:rPr lang="ko-KR" altLang="en-US" smtClean="0"/>
+              <a:rPr lang="ko-KR" altLang="en-US"/>
               <a:t>넷째 수준</a:t>
             </a:r>
           </a:p>
           <a:p>
             <a:pPr lvl="4"/>
             <a:r>
-              <a:rPr lang="ko-KR" altLang="en-US" smtClean="0"/>
+              <a:rPr lang="ko-KR" altLang="en-US"/>
               <a:t>다섯째 수준</a:t>
             </a:r>
-            <a:endParaRPr lang="ko-KR" altLang="en-US"/>
           </a:p>
         </p:txBody>
       </p:sp>
@@ -591,7 +595,7 @@
           <a:p>
             <a:fld id="{B3380114-06A1-439A-86CC-B9A389D12CE5}" type="datetimeFigureOut">
               <a:rPr lang="ko-KR" altLang="en-US" smtClean="0"/>
-              <a:t>2019-06-22</a:t>
+              <a:t>2019-06-26</a:t>
             </a:fld>
             <a:endParaRPr lang="ko-KR" altLang="en-US"/>
           </a:p>
@@ -685,10 +689,9 @@
           <a:lstStyle/>
           <a:p>
             <a:r>
-              <a:rPr lang="ko-KR" altLang="en-US" smtClean="0"/>
+              <a:rPr lang="ko-KR" altLang="en-US"/>
               <a:t>마스터 제목 스타일 편집</a:t>
             </a:r>
-            <a:endParaRPr lang="ko-KR" altLang="en-US"/>
           </a:p>
         </p:txBody>
       </p:sp>
@@ -709,38 +712,37 @@
           <a:p>
             <a:pPr lvl="0"/>
             <a:r>
-              <a:rPr lang="ko-KR" altLang="en-US" smtClean="0"/>
+              <a:rPr lang="ko-KR" altLang="en-US"/>
               <a:t>마스터 텍스트 스타일을 편집합니다</a:t>
             </a:r>
           </a:p>
           <a:p>
             <a:pPr lvl="1"/>
             <a:r>
-              <a:rPr lang="ko-KR" altLang="en-US" smtClean="0"/>
+              <a:rPr lang="ko-KR" altLang="en-US"/>
               <a:t>둘째 수준</a:t>
             </a:r>
           </a:p>
           <a:p>
             <a:pPr lvl="2"/>
             <a:r>
-              <a:rPr lang="ko-KR" altLang="en-US" smtClean="0"/>
+              <a:rPr lang="ko-KR" altLang="en-US"/>
               <a:t>셋째 수준</a:t>
             </a:r>
           </a:p>
           <a:p>
             <a:pPr lvl="3"/>
             <a:r>
-              <a:rPr lang="ko-KR" altLang="en-US" smtClean="0"/>
+              <a:rPr lang="ko-KR" altLang="en-US"/>
               <a:t>넷째 수준</a:t>
             </a:r>
           </a:p>
           <a:p>
             <a:pPr lvl="4"/>
             <a:r>
-              <a:rPr lang="ko-KR" altLang="en-US" smtClean="0"/>
+              <a:rPr lang="ko-KR" altLang="en-US"/>
               <a:t>다섯째 수준</a:t>
             </a:r>
-            <a:endParaRPr lang="ko-KR" altLang="en-US"/>
           </a:p>
         </p:txBody>
       </p:sp>
@@ -761,7 +763,7 @@
           <a:p>
             <a:fld id="{B3380114-06A1-439A-86CC-B9A389D12CE5}" type="datetimeFigureOut">
               <a:rPr lang="ko-KR" altLang="en-US" smtClean="0"/>
-              <a:t>2019-06-22</a:t>
+              <a:t>2019-06-26</a:t>
             </a:fld>
             <a:endParaRPr lang="ko-KR" altLang="en-US"/>
           </a:p>
@@ -864,10 +866,9 @@
           </a:lstStyle>
           <a:p>
             <a:r>
-              <a:rPr lang="ko-KR" altLang="en-US" smtClean="0"/>
+              <a:rPr lang="ko-KR" altLang="en-US"/>
               <a:t>마스터 제목 스타일 편집</a:t>
             </a:r>
-            <a:endParaRPr lang="ko-KR" altLang="en-US"/>
           </a:p>
         </p:txBody>
       </p:sp>
@@ -984,7 +985,7 @@
           <a:p>
             <a:pPr lvl="0"/>
             <a:r>
-              <a:rPr lang="ko-KR" altLang="en-US" smtClean="0"/>
+              <a:rPr lang="ko-KR" altLang="en-US"/>
               <a:t>마스터 텍스트 스타일을 편집합니다</a:t>
             </a:r>
           </a:p>
@@ -1007,7 +1008,7 @@
           <a:p>
             <a:fld id="{B3380114-06A1-439A-86CC-B9A389D12CE5}" type="datetimeFigureOut">
               <a:rPr lang="ko-KR" altLang="en-US" smtClean="0"/>
-              <a:t>2019-06-22</a:t>
+              <a:t>2019-06-26</a:t>
             </a:fld>
             <a:endParaRPr lang="ko-KR" altLang="en-US"/>
           </a:p>
@@ -1101,10 +1102,9 @@
           <a:lstStyle/>
           <a:p>
             <a:r>
-              <a:rPr lang="ko-KR" altLang="en-US" smtClean="0"/>
+              <a:rPr lang="ko-KR" altLang="en-US"/>
               <a:t>마스터 제목 스타일 편집</a:t>
             </a:r>
-            <a:endParaRPr lang="ko-KR" altLang="en-US"/>
           </a:p>
         </p:txBody>
       </p:sp>
@@ -1130,38 +1130,37 @@
           <a:p>
             <a:pPr lvl="0"/>
             <a:r>
-              <a:rPr lang="ko-KR" altLang="en-US" smtClean="0"/>
+              <a:rPr lang="ko-KR" altLang="en-US"/>
               <a:t>마스터 텍스트 스타일을 편집합니다</a:t>
             </a:r>
           </a:p>
           <a:p>
             <a:pPr lvl="1"/>
             <a:r>
-              <a:rPr lang="ko-KR" altLang="en-US" smtClean="0"/>
+              <a:rPr lang="ko-KR" altLang="en-US"/>
               <a:t>둘째 수준</a:t>
             </a:r>
           </a:p>
           <a:p>
             <a:pPr lvl="2"/>
             <a:r>
-              <a:rPr lang="ko-KR" altLang="en-US" smtClean="0"/>
+              <a:rPr lang="ko-KR" altLang="en-US"/>
               <a:t>셋째 수준</a:t>
             </a:r>
           </a:p>
           <a:p>
             <a:pPr lvl="3"/>
             <a:r>
-              <a:rPr lang="ko-KR" altLang="en-US" smtClean="0"/>
+              <a:rPr lang="ko-KR" altLang="en-US"/>
               <a:t>넷째 수준</a:t>
             </a:r>
           </a:p>
           <a:p>
             <a:pPr lvl="4"/>
             <a:r>
-              <a:rPr lang="ko-KR" altLang="en-US" smtClean="0"/>
+              <a:rPr lang="ko-KR" altLang="en-US"/>
               <a:t>다섯째 수준</a:t>
             </a:r>
-            <a:endParaRPr lang="ko-KR" altLang="en-US"/>
           </a:p>
         </p:txBody>
       </p:sp>
@@ -1187,38 +1186,37 @@
           <a:p>
             <a:pPr lvl="0"/>
             <a:r>
-              <a:rPr lang="ko-KR" altLang="en-US" smtClean="0"/>
+              <a:rPr lang="ko-KR" altLang="en-US"/>
               <a:t>마스터 텍스트 스타일을 편집합니다</a:t>
             </a:r>
           </a:p>
           <a:p>
             <a:pPr lvl="1"/>
             <a:r>
-              <a:rPr lang="ko-KR" altLang="en-US" smtClean="0"/>
+              <a:rPr lang="ko-KR" altLang="en-US"/>
               <a:t>둘째 수준</a:t>
             </a:r>
           </a:p>
           <a:p>
             <a:pPr lvl="2"/>
             <a:r>
-              <a:rPr lang="ko-KR" altLang="en-US" smtClean="0"/>
+              <a:rPr lang="ko-KR" altLang="en-US"/>
               <a:t>셋째 수준</a:t>
             </a:r>
           </a:p>
           <a:p>
             <a:pPr lvl="3"/>
             <a:r>
-              <a:rPr lang="ko-KR" altLang="en-US" smtClean="0"/>
+              <a:rPr lang="ko-KR" altLang="en-US"/>
               <a:t>넷째 수준</a:t>
             </a:r>
           </a:p>
           <a:p>
             <a:pPr lvl="4"/>
             <a:r>
-              <a:rPr lang="ko-KR" altLang="en-US" smtClean="0"/>
+              <a:rPr lang="ko-KR" altLang="en-US"/>
               <a:t>다섯째 수준</a:t>
             </a:r>
-            <a:endParaRPr lang="ko-KR" altLang="en-US"/>
           </a:p>
         </p:txBody>
       </p:sp>
@@ -1239,7 +1237,7 @@
           <a:p>
             <a:fld id="{B3380114-06A1-439A-86CC-B9A389D12CE5}" type="datetimeFigureOut">
               <a:rPr lang="ko-KR" altLang="en-US" smtClean="0"/>
-              <a:t>2019-06-22</a:t>
+              <a:t>2019-06-26</a:t>
             </a:fld>
             <a:endParaRPr lang="ko-KR" altLang="en-US"/>
           </a:p>
@@ -1338,10 +1336,9 @@
           <a:lstStyle/>
           <a:p>
             <a:r>
-              <a:rPr lang="ko-KR" altLang="en-US" smtClean="0"/>
+              <a:rPr lang="ko-KR" altLang="en-US"/>
               <a:t>마스터 제목 스타일 편집</a:t>
             </a:r>
-            <a:endParaRPr lang="ko-KR" altLang="en-US"/>
           </a:p>
         </p:txBody>
       </p:sp>
@@ -1404,7 +1401,7 @@
           <a:p>
             <a:pPr lvl="0"/>
             <a:r>
-              <a:rPr lang="ko-KR" altLang="en-US" smtClean="0"/>
+              <a:rPr lang="ko-KR" altLang="en-US"/>
               <a:t>마스터 텍스트 스타일을 편집합니다</a:t>
             </a:r>
           </a:p>
@@ -1432,38 +1429,37 @@
           <a:p>
             <a:pPr lvl="0"/>
             <a:r>
-              <a:rPr lang="ko-KR" altLang="en-US" smtClean="0"/>
+              <a:rPr lang="ko-KR" altLang="en-US"/>
               <a:t>마스터 텍스트 스타일을 편집합니다</a:t>
             </a:r>
           </a:p>
           <a:p>
             <a:pPr lvl="1"/>
             <a:r>
-              <a:rPr lang="ko-KR" altLang="en-US" smtClean="0"/>
+              <a:rPr lang="ko-KR" altLang="en-US"/>
               <a:t>둘째 수준</a:t>
             </a:r>
           </a:p>
           <a:p>
             <a:pPr lvl="2"/>
             <a:r>
-              <a:rPr lang="ko-KR" altLang="en-US" smtClean="0"/>
+              <a:rPr lang="ko-KR" altLang="en-US"/>
               <a:t>셋째 수준</a:t>
             </a:r>
           </a:p>
           <a:p>
             <a:pPr lvl="3"/>
             <a:r>
-              <a:rPr lang="ko-KR" altLang="en-US" smtClean="0"/>
+              <a:rPr lang="ko-KR" altLang="en-US"/>
               <a:t>넷째 수준</a:t>
             </a:r>
           </a:p>
           <a:p>
             <a:pPr lvl="4"/>
             <a:r>
-              <a:rPr lang="ko-KR" altLang="en-US" smtClean="0"/>
+              <a:rPr lang="ko-KR" altLang="en-US"/>
               <a:t>다섯째 수준</a:t>
             </a:r>
-            <a:endParaRPr lang="ko-KR" altLang="en-US"/>
           </a:p>
         </p:txBody>
       </p:sp>
@@ -1526,7 +1522,7 @@
           <a:p>
             <a:pPr lvl="0"/>
             <a:r>
-              <a:rPr lang="ko-KR" altLang="en-US" smtClean="0"/>
+              <a:rPr lang="ko-KR" altLang="en-US"/>
               <a:t>마스터 텍스트 스타일을 편집합니다</a:t>
             </a:r>
           </a:p>
@@ -1554,38 +1550,37 @@
           <a:p>
             <a:pPr lvl="0"/>
             <a:r>
-              <a:rPr lang="ko-KR" altLang="en-US" smtClean="0"/>
+              <a:rPr lang="ko-KR" altLang="en-US"/>
               <a:t>마스터 텍스트 스타일을 편집합니다</a:t>
             </a:r>
           </a:p>
           <a:p>
             <a:pPr lvl="1"/>
             <a:r>
-              <a:rPr lang="ko-KR" altLang="en-US" smtClean="0"/>
+              <a:rPr lang="ko-KR" altLang="en-US"/>
               <a:t>둘째 수준</a:t>
             </a:r>
           </a:p>
           <a:p>
             <a:pPr lvl="2"/>
             <a:r>
-              <a:rPr lang="ko-KR" altLang="en-US" smtClean="0"/>
+              <a:rPr lang="ko-KR" altLang="en-US"/>
               <a:t>셋째 수준</a:t>
             </a:r>
           </a:p>
           <a:p>
             <a:pPr lvl="3"/>
             <a:r>
-              <a:rPr lang="ko-KR" altLang="en-US" smtClean="0"/>
+              <a:rPr lang="ko-KR" altLang="en-US"/>
               <a:t>넷째 수준</a:t>
             </a:r>
           </a:p>
           <a:p>
             <a:pPr lvl="4"/>
             <a:r>
-              <a:rPr lang="ko-KR" altLang="en-US" smtClean="0"/>
+              <a:rPr lang="ko-KR" altLang="en-US"/>
               <a:t>다섯째 수준</a:t>
             </a:r>
-            <a:endParaRPr lang="ko-KR" altLang="en-US"/>
           </a:p>
         </p:txBody>
       </p:sp>
@@ -1606,7 +1601,7 @@
           <a:p>
             <a:fld id="{B3380114-06A1-439A-86CC-B9A389D12CE5}" type="datetimeFigureOut">
               <a:rPr lang="ko-KR" altLang="en-US" smtClean="0"/>
-              <a:t>2019-06-22</a:t>
+              <a:t>2019-06-26</a:t>
             </a:fld>
             <a:endParaRPr lang="ko-KR" altLang="en-US"/>
           </a:p>
@@ -1700,10 +1695,9 @@
           <a:lstStyle/>
           <a:p>
             <a:r>
-              <a:rPr lang="ko-KR" altLang="en-US" smtClean="0"/>
+              <a:rPr lang="ko-KR" altLang="en-US"/>
               <a:t>마스터 제목 스타일 편집</a:t>
             </a:r>
-            <a:endParaRPr lang="ko-KR" altLang="en-US"/>
           </a:p>
         </p:txBody>
       </p:sp>
@@ -1724,7 +1718,7 @@
           <a:p>
             <a:fld id="{B3380114-06A1-439A-86CC-B9A389D12CE5}" type="datetimeFigureOut">
               <a:rPr lang="ko-KR" altLang="en-US" smtClean="0"/>
-              <a:t>2019-06-22</a:t>
+              <a:t>2019-06-26</a:t>
             </a:fld>
             <a:endParaRPr lang="ko-KR" altLang="en-US"/>
           </a:p>
@@ -1819,7 +1813,7 @@
           <a:p>
             <a:fld id="{B3380114-06A1-439A-86CC-B9A389D12CE5}" type="datetimeFigureOut">
               <a:rPr lang="ko-KR" altLang="en-US" smtClean="0"/>
-              <a:t>2019-06-22</a:t>
+              <a:t>2019-06-26</a:t>
             </a:fld>
             <a:endParaRPr lang="ko-KR" altLang="en-US"/>
           </a:p>
@@ -1922,10 +1916,9 @@
           </a:lstStyle>
           <a:p>
             <a:r>
-              <a:rPr lang="ko-KR" altLang="en-US" smtClean="0"/>
+              <a:rPr lang="ko-KR" altLang="en-US"/>
               <a:t>마스터 제목 스타일 편집</a:t>
             </a:r>
-            <a:endParaRPr lang="ko-KR" altLang="en-US"/>
           </a:p>
         </p:txBody>
       </p:sp>
@@ -1979,38 +1972,37 @@
           <a:p>
             <a:pPr lvl="0"/>
             <a:r>
-              <a:rPr lang="ko-KR" altLang="en-US" smtClean="0"/>
+              <a:rPr lang="ko-KR" altLang="en-US"/>
               <a:t>마스터 텍스트 스타일을 편집합니다</a:t>
             </a:r>
           </a:p>
           <a:p>
             <a:pPr lvl="1"/>
             <a:r>
-              <a:rPr lang="ko-KR" altLang="en-US" smtClean="0"/>
+              <a:rPr lang="ko-KR" altLang="en-US"/>
               <a:t>둘째 수준</a:t>
             </a:r>
           </a:p>
           <a:p>
             <a:pPr lvl="2"/>
             <a:r>
-              <a:rPr lang="ko-KR" altLang="en-US" smtClean="0"/>
+              <a:rPr lang="ko-KR" altLang="en-US"/>
               <a:t>셋째 수준</a:t>
             </a:r>
           </a:p>
           <a:p>
             <a:pPr lvl="3"/>
             <a:r>
-              <a:rPr lang="ko-KR" altLang="en-US" smtClean="0"/>
+              <a:rPr lang="ko-KR" altLang="en-US"/>
               <a:t>넷째 수준</a:t>
             </a:r>
           </a:p>
           <a:p>
             <a:pPr lvl="4"/>
             <a:r>
-              <a:rPr lang="ko-KR" altLang="en-US" smtClean="0"/>
+              <a:rPr lang="ko-KR" altLang="en-US"/>
               <a:t>다섯째 수준</a:t>
             </a:r>
-            <a:endParaRPr lang="ko-KR" altLang="en-US"/>
           </a:p>
         </p:txBody>
       </p:sp>
@@ -2073,7 +2065,7 @@
           <a:p>
             <a:pPr lvl="0"/>
             <a:r>
-              <a:rPr lang="ko-KR" altLang="en-US" smtClean="0"/>
+              <a:rPr lang="ko-KR" altLang="en-US"/>
               <a:t>마스터 텍스트 스타일을 편집합니다</a:t>
             </a:r>
           </a:p>
@@ -2096,7 +2088,7 @@
           <a:p>
             <a:fld id="{B3380114-06A1-439A-86CC-B9A389D12CE5}" type="datetimeFigureOut">
               <a:rPr lang="ko-KR" altLang="en-US" smtClean="0"/>
-              <a:t>2019-06-22</a:t>
+              <a:t>2019-06-26</a:t>
             </a:fld>
             <a:endParaRPr lang="ko-KR" altLang="en-US"/>
           </a:p>
@@ -2199,10 +2191,9 @@
           </a:lstStyle>
           <a:p>
             <a:r>
-              <a:rPr lang="ko-KR" altLang="en-US" smtClean="0"/>
+              <a:rPr lang="ko-KR" altLang="en-US"/>
               <a:t>마스터 제목 스타일 편집</a:t>
             </a:r>
-            <a:endParaRPr lang="ko-KR" altLang="en-US"/>
           </a:p>
         </p:txBody>
       </p:sp>
@@ -2326,7 +2317,7 @@
           <a:p>
             <a:pPr lvl="0"/>
             <a:r>
-              <a:rPr lang="ko-KR" altLang="en-US" smtClean="0"/>
+              <a:rPr lang="ko-KR" altLang="en-US"/>
               <a:t>마스터 텍스트 스타일을 편집합니다</a:t>
             </a:r>
           </a:p>
@@ -2349,7 +2340,7 @@
           <a:p>
             <a:fld id="{B3380114-06A1-439A-86CC-B9A389D12CE5}" type="datetimeFigureOut">
               <a:rPr lang="ko-KR" altLang="en-US" smtClean="0"/>
-              <a:t>2019-06-22</a:t>
+              <a:t>2019-06-26</a:t>
             </a:fld>
             <a:endParaRPr lang="ko-KR" altLang="en-US"/>
           </a:p>
@@ -2458,10 +2449,9 @@
           <a:lstStyle/>
           <a:p>
             <a:r>
-              <a:rPr lang="ko-KR" altLang="en-US" smtClean="0"/>
+              <a:rPr lang="ko-KR" altLang="en-US"/>
               <a:t>마스터 제목 스타일 편집</a:t>
             </a:r>
-            <a:endParaRPr lang="ko-KR" altLang="en-US"/>
           </a:p>
         </p:txBody>
       </p:sp>
@@ -2492,38 +2482,37 @@
           <a:p>
             <a:pPr lvl="0"/>
             <a:r>
-              <a:rPr lang="ko-KR" altLang="en-US" smtClean="0"/>
+              <a:rPr lang="ko-KR" altLang="en-US"/>
               <a:t>마스터 텍스트 스타일을 편집합니다</a:t>
             </a:r>
           </a:p>
           <a:p>
             <a:pPr lvl="1"/>
             <a:r>
-              <a:rPr lang="ko-KR" altLang="en-US" smtClean="0"/>
+              <a:rPr lang="ko-KR" altLang="en-US"/>
               <a:t>둘째 수준</a:t>
             </a:r>
           </a:p>
           <a:p>
             <a:pPr lvl="2"/>
             <a:r>
-              <a:rPr lang="ko-KR" altLang="en-US" smtClean="0"/>
+              <a:rPr lang="ko-KR" altLang="en-US"/>
               <a:t>셋째 수준</a:t>
             </a:r>
           </a:p>
           <a:p>
             <a:pPr lvl="3"/>
             <a:r>
-              <a:rPr lang="ko-KR" altLang="en-US" smtClean="0"/>
+              <a:rPr lang="ko-KR" altLang="en-US"/>
               <a:t>넷째 수준</a:t>
             </a:r>
           </a:p>
           <a:p>
             <a:pPr lvl="4"/>
             <a:r>
-              <a:rPr lang="ko-KR" altLang="en-US" smtClean="0"/>
+              <a:rPr lang="ko-KR" altLang="en-US"/>
               <a:t>다섯째 수준</a:t>
             </a:r>
-            <a:endParaRPr lang="ko-KR" altLang="en-US"/>
           </a:p>
         </p:txBody>
       </p:sp>
@@ -2562,7 +2551,7 @@
           <a:p>
             <a:fld id="{B3380114-06A1-439A-86CC-B9A389D12CE5}" type="datetimeFigureOut">
               <a:rPr lang="ko-KR" altLang="en-US" smtClean="0"/>
-              <a:t>2019-06-22</a:t>
+              <a:t>2019-06-26</a:t>
             </a:fld>
             <a:endParaRPr lang="ko-KR" altLang="en-US"/>
           </a:p>
@@ -3004,10 +2993,9 @@
           <a:p>
             <a:pPr algn="ctr"/>
             <a:r>
-              <a:rPr lang="ko-KR" altLang="en-US" sz="2400" b="1" dirty="0" smtClean="0"/>
+              <a:rPr lang="ko-KR" altLang="en-US" sz="2400" b="1" dirty="0"/>
               <a:t>자바</a:t>
             </a:r>
-            <a:endParaRPr lang="ko-KR" altLang="en-US" sz="2400" b="1" dirty="0"/>
           </a:p>
         </p:txBody>
       </p:sp>
@@ -3048,11 +3036,11 @@
           <a:p>
             <a:pPr algn="ctr"/>
             <a:r>
-              <a:rPr lang="ko-KR" altLang="en-US" sz="2400" b="1" dirty="0" smtClean="0"/>
+              <a:rPr lang="ko-KR" altLang="en-US" sz="2400" b="1" dirty="0"/>
               <a:t>오류</a:t>
             </a:r>
             <a:r>
-              <a:rPr lang="en-US" altLang="ko-KR" sz="2400" b="1" dirty="0" smtClean="0"/>
+              <a:rPr lang="en-US" altLang="ko-KR" sz="2400" b="1" dirty="0"/>
               <a:t>(error)</a:t>
             </a:r>
             <a:endParaRPr lang="ko-KR" altLang="en-US" sz="2400" b="1" dirty="0"/>
@@ -3096,10 +3084,9 @@
           <a:p>
             <a:pPr algn="ctr"/>
             <a:r>
-              <a:rPr lang="ko-KR" altLang="en-US" sz="2400" b="1" dirty="0" smtClean="0"/>
+              <a:rPr lang="ko-KR" altLang="en-US" sz="2400" b="1" dirty="0"/>
               <a:t>예외처리</a:t>
             </a:r>
-            <a:endParaRPr lang="ko-KR" altLang="en-US" sz="2400" b="1" dirty="0"/>
           </a:p>
         </p:txBody>
       </p:sp>
@@ -3140,11 +3127,11 @@
           <a:p>
             <a:pPr algn="ctr"/>
             <a:r>
-              <a:rPr lang="en-US" altLang="ko-KR" sz="2400" b="1" dirty="0" smtClean="0"/>
+              <a:rPr lang="en-US" altLang="ko-KR" sz="2400" b="1" dirty="0"/>
               <a:t>Checked </a:t>
             </a:r>
             <a:r>
-              <a:rPr lang="en-US" altLang="ko-KR" sz="2400" b="1" dirty="0" err="1" smtClean="0"/>
+              <a:rPr lang="en-US" altLang="ko-KR" sz="2400" b="1" dirty="0" err="1"/>
               <a:t>Exceptiom</a:t>
             </a:r>
             <a:endParaRPr lang="ko-KR" altLang="en-US" sz="2400" b="1" dirty="0"/>
@@ -3188,11 +3175,11 @@
           <a:p>
             <a:pPr algn="ctr"/>
             <a:r>
-              <a:rPr lang="en-US" altLang="ko-KR" sz="2400" b="1" dirty="0" smtClean="0"/>
+              <a:rPr lang="en-US" altLang="ko-KR" sz="2400" b="1" dirty="0"/>
               <a:t>runtime </a:t>
             </a:r>
             <a:r>
-              <a:rPr lang="en-US" altLang="ko-KR" sz="2400" b="1" dirty="0" err="1" smtClean="0"/>
+              <a:rPr lang="en-US" altLang="ko-KR" sz="2400" b="1" dirty="0" err="1"/>
               <a:t>Exceptiom</a:t>
             </a:r>
             <a:endParaRPr lang="ko-KR" altLang="en-US" sz="2400" b="1" dirty="0"/>
@@ -3381,14 +3368,14 @@
           <a:p>
             <a:pPr algn="ctr"/>
             <a:r>
-              <a:rPr lang="ko-KR" altLang="en-US" dirty="0" smtClean="0">
+              <a:rPr lang="ko-KR" altLang="en-US" dirty="0">
                 <a:solidFill>
                   <a:schemeClr val="tx1"/>
                 </a:solidFill>
               </a:rPr>
               <a:t>컴파일러에 의해 체크됨</a:t>
             </a:r>
-            <a:endParaRPr lang="en-US" altLang="ko-KR" dirty="0" smtClean="0">
+            <a:endParaRPr lang="en-US" altLang="ko-KR" dirty="0">
               <a:solidFill>
                 <a:schemeClr val="tx1"/>
               </a:solidFill>
@@ -3397,7 +3384,7 @@
           <a:p>
             <a:pPr algn="ctr"/>
             <a:r>
-              <a:rPr lang="en-US" altLang="ko-KR" dirty="0" smtClean="0">
+              <a:rPr lang="en-US" altLang="ko-KR" dirty="0">
                 <a:solidFill>
                   <a:schemeClr val="tx1"/>
                 </a:solidFill>
@@ -3405,7 +3392,7 @@
               <a:t>(</a:t>
             </a:r>
             <a:r>
-              <a:rPr lang="ko-KR" altLang="en-US" dirty="0" smtClean="0">
+              <a:rPr lang="ko-KR" altLang="en-US" dirty="0">
                 <a:solidFill>
                   <a:schemeClr val="tx1"/>
                 </a:solidFill>
@@ -3413,7 +3400,7 @@
               <a:t>반드시 구현</a:t>
             </a:r>
             <a:r>
-              <a:rPr lang="en-US" altLang="ko-KR" dirty="0" smtClean="0">
+              <a:rPr lang="en-US" altLang="ko-KR" dirty="0">
                 <a:solidFill>
                   <a:schemeClr val="tx1"/>
                 </a:solidFill>
@@ -3478,7 +3465,7 @@
           <a:p>
             <a:pPr algn="ctr"/>
             <a:r>
-              <a:rPr lang="ko-KR" altLang="en-US" dirty="0" err="1" smtClean="0">
+              <a:rPr lang="ko-KR" altLang="en-US" dirty="0" err="1">
                 <a:solidFill>
                   <a:schemeClr val="tx1"/>
                 </a:solidFill>
@@ -3486,14 +3473,14 @@
               <a:t>데이터에따라</a:t>
             </a:r>
             <a:r>
-              <a:rPr lang="ko-KR" altLang="en-US" dirty="0" smtClean="0">
+              <a:rPr lang="ko-KR" altLang="en-US" dirty="0">
                 <a:solidFill>
                   <a:schemeClr val="tx1"/>
                 </a:solidFill>
               </a:rPr>
               <a:t> 예외가 발생</a:t>
             </a:r>
-            <a:endParaRPr lang="en-US" altLang="ko-KR" dirty="0" smtClean="0">
+            <a:endParaRPr lang="en-US" altLang="ko-KR" dirty="0">
               <a:solidFill>
                 <a:schemeClr val="tx1"/>
               </a:solidFill>
@@ -3502,7 +3489,7 @@
           <a:p>
             <a:pPr algn="ctr"/>
             <a:r>
-              <a:rPr lang="en-US" altLang="ko-KR" dirty="0" smtClean="0">
+              <a:rPr lang="en-US" altLang="ko-KR" dirty="0">
                 <a:solidFill>
                   <a:schemeClr val="tx1"/>
                 </a:solidFill>
@@ -3510,7 +3497,7 @@
               <a:t>(</a:t>
             </a:r>
             <a:r>
-              <a:rPr lang="ko-KR" altLang="en-US" dirty="0" smtClean="0">
+              <a:rPr lang="ko-KR" altLang="en-US" dirty="0">
                 <a:solidFill>
                   <a:schemeClr val="tx1"/>
                 </a:solidFill>
@@ -3518,7 +3505,7 @@
               <a:t>구현을 강제하진 않는다</a:t>
             </a:r>
             <a:r>
-              <a:rPr lang="en-US" altLang="ko-KR" dirty="0" smtClean="0">
+              <a:rPr lang="en-US" altLang="ko-KR" dirty="0">
                 <a:solidFill>
                   <a:schemeClr val="tx1"/>
                 </a:solidFill>
@@ -3670,10 +3657,9 @@
           <a:p>
             <a:pPr algn="ctr"/>
             <a:r>
-              <a:rPr lang="ko-KR" altLang="en-US" dirty="0" smtClean="0"/>
+              <a:rPr lang="ko-KR" altLang="en-US" dirty="0"/>
               <a:t>안전하지 않은 예외처리</a:t>
             </a:r>
-            <a:endParaRPr lang="ko-KR" altLang="en-US" dirty="0"/>
           </a:p>
         </p:txBody>
       </p:sp>
@@ -3720,7 +3706,7 @@
           <a:p>
             <a:pPr algn="ctr"/>
             <a:r>
-              <a:rPr lang="en-US" altLang="ko-KR" sz="1400" dirty="0" smtClean="0">
+              <a:rPr lang="en-US" altLang="ko-KR" sz="1400" dirty="0">
                 <a:solidFill>
                   <a:schemeClr val="tx1"/>
                 </a:solidFill>
@@ -3731,7 +3717,7 @@
           <a:p>
             <a:pPr algn="ctr"/>
             <a:r>
-              <a:rPr lang="ko-KR" altLang="en-US" sz="1400" dirty="0" smtClean="0">
+              <a:rPr lang="ko-KR" altLang="en-US" sz="1400" dirty="0">
                 <a:solidFill>
                   <a:schemeClr val="tx1"/>
                 </a:solidFill>
@@ -3739,7 +3725,7 @@
               <a:t>대부분의 시스템은 콘솔로 출력되는 에러 메시지를 </a:t>
             </a:r>
             <a:r>
-              <a:rPr lang="ko-KR" altLang="en-US" sz="1400" dirty="0" err="1" smtClean="0">
+              <a:rPr lang="ko-KR" altLang="en-US" sz="1400" dirty="0" err="1">
                 <a:solidFill>
                   <a:schemeClr val="tx1"/>
                 </a:solidFill>
@@ -3747,7 +3733,7 @@
               <a:t>로깅하도록</a:t>
             </a:r>
             <a:r>
-              <a:rPr lang="ko-KR" altLang="en-US" sz="1400" dirty="0" smtClean="0">
+              <a:rPr lang="ko-KR" altLang="en-US" sz="1400" dirty="0">
                 <a:solidFill>
                   <a:schemeClr val="tx1"/>
                 </a:solidFill>
@@ -3755,7 +3741,7 @@
               <a:t> 설정 </a:t>
             </a:r>
             <a:r>
-              <a:rPr lang="ko-KR" altLang="en-US" sz="1400" dirty="0" err="1" smtClean="0">
+              <a:rPr lang="ko-KR" altLang="en-US" sz="1400" dirty="0" err="1">
                 <a:solidFill>
                   <a:schemeClr val="tx1"/>
                 </a:solidFill>
@@ -3763,7 +3749,7 @@
               <a:t>되있기</a:t>
             </a:r>
             <a:r>
-              <a:rPr lang="ko-KR" altLang="en-US" sz="1400" dirty="0" smtClean="0">
+              <a:rPr lang="ko-KR" altLang="en-US" sz="1400" dirty="0">
                 <a:solidFill>
                   <a:schemeClr val="tx1"/>
                 </a:solidFill>
@@ -3771,7 +3757,7 @@
               <a:t> </a:t>
             </a:r>
             <a:r>
-              <a:rPr lang="ko-KR" altLang="en-US" sz="1400" dirty="0" err="1" smtClean="0">
+              <a:rPr lang="ko-KR" altLang="en-US" sz="1400" dirty="0" err="1">
                 <a:solidFill>
                   <a:schemeClr val="tx1"/>
                 </a:solidFill>
@@ -3888,7 +3874,7 @@
           <a:p>
             <a:pPr algn="ctr"/>
             <a:r>
-              <a:rPr lang="ko-KR" altLang="en-US" dirty="0" smtClean="0"/>
+              <a:rPr lang="ko-KR" altLang="en-US" dirty="0"/>
               <a:t>안전하지 않은 예외처리</a:t>
             </a:r>
           </a:p>
@@ -3996,10 +3982,9 @@
           <a:p>
             <a:pPr algn="ctr"/>
             <a:r>
-              <a:rPr lang="ko-KR" altLang="en-US" dirty="0" smtClean="0"/>
+              <a:rPr lang="ko-KR" altLang="en-US" dirty="0"/>
               <a:t>자바코드</a:t>
             </a:r>
-            <a:endParaRPr lang="ko-KR" altLang="en-US" dirty="0"/>
           </a:p>
         </p:txBody>
       </p:sp>
@@ -4040,15 +4025,15 @@
           <a:p>
             <a:pPr algn="ctr"/>
             <a:r>
-              <a:rPr lang="en-US" altLang="ko-KR" dirty="0" smtClean="0"/>
+              <a:rPr lang="en-US" altLang="ko-KR" dirty="0"/>
               <a:t>Ajax</a:t>
             </a:r>
             <a:r>
-              <a:rPr lang="ko-KR" altLang="en-US" dirty="0" smtClean="0"/>
+              <a:rPr lang="ko-KR" altLang="en-US" dirty="0"/>
               <a:t> 코드</a:t>
             </a:r>
             <a:r>
-              <a:rPr lang="en-US" altLang="ko-KR" dirty="0" smtClean="0"/>
+              <a:rPr lang="en-US" altLang="ko-KR" dirty="0"/>
               <a:t>(error)</a:t>
             </a:r>
             <a:endParaRPr lang="ko-KR" altLang="en-US" dirty="0"/>
@@ -4120,7 +4105,7 @@
           <a:p>
             <a:pPr algn="ctr"/>
             <a:r>
-              <a:rPr lang="en-US" altLang="ko-KR" sz="2400" b="1" dirty="0" smtClean="0">
+              <a:rPr lang="en-US" altLang="ko-KR" sz="2400" b="1" dirty="0">
                 <a:solidFill>
                   <a:schemeClr val="tx1"/>
                 </a:solidFill>
@@ -4129,7 +4114,7 @@
               <a:t>1) www.naver.com/id=‘</a:t>
             </a:r>
             <a:r>
-              <a:rPr lang="en-US" altLang="ko-KR" sz="2400" b="1" dirty="0" err="1" smtClean="0">
+              <a:rPr lang="en-US" altLang="ko-KR" sz="2400" b="1" dirty="0" err="1">
                 <a:solidFill>
                   <a:schemeClr val="tx1"/>
                 </a:solidFill>
@@ -4138,7 +4123,7 @@
               <a:t>abc</a:t>
             </a:r>
             <a:r>
-              <a:rPr lang="en-US" altLang="ko-KR" sz="2400" b="1" dirty="0" smtClean="0">
+              <a:rPr lang="en-US" altLang="ko-KR" sz="2400" b="1" dirty="0">
                 <a:solidFill>
                   <a:schemeClr val="tx1"/>
                 </a:solidFill>
@@ -4147,7 +4132,7 @@
               <a:t>’&amp;password=‘1234</a:t>
             </a:r>
             <a:r>
-              <a:rPr lang="en-US" altLang="ko-KR" sz="2400" b="1" dirty="0" smtClean="0">
+              <a:rPr lang="en-US" altLang="ko-KR" sz="2400" b="1" dirty="0">
                 <a:solidFill>
                   <a:schemeClr val="tx1"/>
                 </a:solidFill>
@@ -4158,7 +4143,7 @@
           <a:p>
             <a:pPr algn="ctr"/>
             <a:r>
-              <a:rPr lang="en-US" altLang="ko-KR" sz="2400" b="1" dirty="0" smtClean="0">
+              <a:rPr lang="en-US" altLang="ko-KR" sz="2400" b="1" dirty="0">
                 <a:solidFill>
                   <a:schemeClr val="tx1"/>
                 </a:solidFill>
@@ -4166,7 +4151,7 @@
               </a:rPr>
               <a:t>2) www.naver.com/id=&amp;password=</a:t>
             </a:r>
-            <a:endParaRPr lang="en-US" altLang="ko-KR" sz="2400" b="1" dirty="0" smtClean="0">
+            <a:endParaRPr lang="en-US" altLang="ko-KR" sz="2400" b="1" dirty="0">
               <a:solidFill>
                 <a:schemeClr val="tx1"/>
               </a:solidFill>
@@ -4211,55 +4196,55 @@
           <a:p>
             <a:pPr algn="ctr"/>
             <a:r>
-              <a:rPr lang="en-US" altLang="ko-KR" dirty="0" smtClean="0"/>
+              <a:rPr lang="en-US" altLang="ko-KR" dirty="0"/>
               <a:t>1</a:t>
             </a:r>
             <a:r>
-              <a:rPr lang="ko-KR" altLang="en-US" dirty="0" smtClean="0"/>
+              <a:rPr lang="ko-KR" altLang="en-US" dirty="0"/>
               <a:t>번의 경우 </a:t>
             </a:r>
             <a:r>
-              <a:rPr lang="en-US" altLang="ko-KR" dirty="0" smtClean="0"/>
+              <a:rPr lang="en-US" altLang="ko-KR" dirty="0"/>
               <a:t>null</a:t>
             </a:r>
             <a:r>
-              <a:rPr lang="ko-KR" altLang="en-US" dirty="0" smtClean="0"/>
+              <a:rPr lang="ko-KR" altLang="en-US" dirty="0"/>
               <a:t>이 아니지만 </a:t>
             </a:r>
             <a:r>
-              <a:rPr lang="en-US" altLang="ko-KR" dirty="0" smtClean="0"/>
+              <a:rPr lang="en-US" altLang="ko-KR" dirty="0"/>
               <a:t>2</a:t>
             </a:r>
             <a:r>
-              <a:rPr lang="ko-KR" altLang="en-US" dirty="0" smtClean="0"/>
+              <a:rPr lang="ko-KR" altLang="en-US" dirty="0"/>
               <a:t>번의 경우는 </a:t>
             </a:r>
             <a:r>
-              <a:rPr lang="en-US" altLang="ko-KR" dirty="0" smtClean="0"/>
+              <a:rPr lang="en-US" altLang="ko-KR" dirty="0"/>
               <a:t>null </a:t>
             </a:r>
             <a:r>
-              <a:rPr lang="ko-KR" altLang="en-US" dirty="0" smtClean="0"/>
+              <a:rPr lang="ko-KR" altLang="en-US" dirty="0"/>
               <a:t>값이 들어 올 수 있기 때문에</a:t>
             </a:r>
-            <a:endParaRPr lang="en-US" altLang="ko-KR" dirty="0" smtClean="0"/>
+            <a:endParaRPr lang="en-US" altLang="ko-KR" dirty="0"/>
           </a:p>
           <a:p>
             <a:pPr algn="ctr"/>
             <a:r>
-              <a:rPr lang="ko-KR" altLang="en-US" dirty="0" smtClean="0"/>
+              <a:rPr lang="ko-KR" altLang="en-US" dirty="0"/>
               <a:t>외부에서 유입된 객체는 반드시 </a:t>
             </a:r>
             <a:r>
-              <a:rPr lang="en-US" altLang="ko-KR" dirty="0" smtClean="0"/>
+              <a:rPr lang="en-US" altLang="ko-KR" dirty="0"/>
               <a:t>null</a:t>
             </a:r>
             <a:r>
-              <a:rPr lang="ko-KR" altLang="en-US" dirty="0" smtClean="0"/>
+              <a:rPr lang="ko-KR" altLang="en-US" dirty="0"/>
               <a:t>을 체크 후 사용해야 한다</a:t>
             </a:r>
             <a:r>
-              <a:rPr lang="en-US" altLang="ko-KR" dirty="0" smtClean="0"/>
+              <a:rPr lang="en-US" altLang="ko-KR" dirty="0"/>
               <a:t>.</a:t>
             </a:r>
             <a:endParaRPr lang="ko-KR" altLang="en-US" dirty="0"/>
@@ -4270,6 +4255,1291 @@
     <p:extLst>
       <p:ext uri="{BB962C8B-B14F-4D97-AF65-F5344CB8AC3E}">
         <p14:creationId xmlns:p14="http://schemas.microsoft.com/office/powerpoint/2010/main" val="1588465907"/>
+      </p:ext>
+    </p:extLst>
+  </p:cSld>
+  <p:clrMapOvr>
+    <a:masterClrMapping/>
+  </p:clrMapOvr>
+</p:sld>
+</file>
+
+<file path=ppt/slides/slide5.xml><?xml version="1.0" encoding="utf-8"?>
+<p:sld xmlns:a="http://schemas.openxmlformats.org/drawingml/2006/main" xmlns:r="http://schemas.openxmlformats.org/officeDocument/2006/relationships" xmlns:p="http://schemas.openxmlformats.org/presentationml/2006/main">
+  <p:cSld>
+    <p:spTree>
+      <p:nvGrpSpPr>
+        <p:cNvPr id="1" name=""/>
+        <p:cNvGrpSpPr/>
+        <p:nvPr/>
+      </p:nvGrpSpPr>
+      <p:grpSpPr>
+        <a:xfrm>
+          <a:off x="0" y="0"/>
+          <a:ext cx="0" cy="0"/>
+          <a:chOff x="0" y="0"/>
+          <a:chExt cx="0" cy="0"/>
+        </a:xfrm>
+      </p:grpSpPr>
+      <p:pic>
+        <p:nvPicPr>
+          <p:cNvPr id="3" name="그림 2"/>
+          <p:cNvPicPr>
+            <a:picLocks noChangeAspect="1"/>
+          </p:cNvPicPr>
+          <p:nvPr/>
+        </p:nvPicPr>
+        <p:blipFill>
+          <a:blip r:embed="rId2">
+            <a:extLst>
+              <a:ext uri="{28A0092B-C50C-407E-A947-70E740481C1C}">
+                <a14:useLocalDpi xmlns:a14="http://schemas.microsoft.com/office/drawing/2010/main" val="0"/>
+              </a:ext>
+            </a:extLst>
+          </a:blip>
+          <a:srcRect/>
+          <a:stretch/>
+        </p:blipFill>
+        <p:spPr>
+          <a:xfrm>
+            <a:off x="194038" y="1351692"/>
+            <a:ext cx="5901962" cy="3378818"/>
+          </a:xfrm>
+          <a:prstGeom prst="rect">
+            <a:avLst/>
+          </a:prstGeom>
+          <a:ln>
+            <a:solidFill>
+              <a:schemeClr val="tx1"/>
+            </a:solidFill>
+          </a:ln>
+        </p:spPr>
+      </p:pic>
+      <p:pic>
+        <p:nvPicPr>
+          <p:cNvPr id="9" name="그림 8"/>
+          <p:cNvPicPr>
+            <a:picLocks noChangeAspect="1"/>
+          </p:cNvPicPr>
+          <p:nvPr/>
+        </p:nvPicPr>
+        <p:blipFill>
+          <a:blip r:embed="rId3">
+            <a:extLst>
+              <a:ext uri="{28A0092B-C50C-407E-A947-70E740481C1C}">
+                <a14:useLocalDpi xmlns:a14="http://schemas.microsoft.com/office/drawing/2010/main" val="0"/>
+              </a:ext>
+            </a:extLst>
+          </a:blip>
+          <a:srcRect/>
+          <a:stretch/>
+        </p:blipFill>
+        <p:spPr>
+          <a:xfrm>
+            <a:off x="6205637" y="1351692"/>
+            <a:ext cx="5834780" cy="3378818"/>
+          </a:xfrm>
+          <a:prstGeom prst="rect">
+            <a:avLst/>
+          </a:prstGeom>
+          <a:ln>
+            <a:solidFill>
+              <a:schemeClr val="tx1"/>
+            </a:solidFill>
+          </a:ln>
+        </p:spPr>
+      </p:pic>
+      <p:sp>
+        <p:nvSpPr>
+          <p:cNvPr id="11" name="직사각형 10"/>
+          <p:cNvSpPr/>
+          <p:nvPr/>
+        </p:nvSpPr>
+        <p:spPr>
+          <a:xfrm>
+            <a:off x="3524842" y="34729"/>
+            <a:ext cx="5031928" cy="372973"/>
+          </a:xfrm>
+          <a:prstGeom prst="rect">
+            <a:avLst/>
+          </a:prstGeom>
+        </p:spPr>
+        <p:style>
+          <a:lnRef idx="2">
+            <a:schemeClr val="accent1">
+              <a:shade val="50000"/>
+            </a:schemeClr>
+          </a:lnRef>
+          <a:fillRef idx="1">
+            <a:schemeClr val="accent1"/>
+          </a:fillRef>
+          <a:effectRef idx="0">
+            <a:schemeClr val="accent1"/>
+          </a:effectRef>
+          <a:fontRef idx="minor">
+            <a:schemeClr val="lt1"/>
+          </a:fontRef>
+        </p:style>
+        <p:txBody>
+          <a:bodyPr rtlCol="0" anchor="ctr"/>
+          <a:lstStyle/>
+          <a:p>
+            <a:pPr algn="ctr"/>
+            <a:r>
+              <a:rPr lang="ko-KR" altLang="en-US" dirty="0"/>
+              <a:t>스레드 공유 데이터에 대한 동기화 처리 부재</a:t>
+            </a:r>
+          </a:p>
+        </p:txBody>
+      </p:sp>
+      <p:sp>
+        <p:nvSpPr>
+          <p:cNvPr id="7" name="직사각형 6">
+            <a:extLst>
+              <a:ext uri="{FF2B5EF4-FFF2-40B4-BE49-F238E27FC236}">
+                <a16:creationId xmlns:a16="http://schemas.microsoft.com/office/drawing/2014/main" id="{7FA5826C-A080-4663-904E-801F14F8BA20}"/>
+              </a:ext>
+            </a:extLst>
+          </p:cNvPr>
+          <p:cNvSpPr/>
+          <p:nvPr/>
+        </p:nvSpPr>
+        <p:spPr>
+          <a:xfrm>
+            <a:off x="629055" y="807915"/>
+            <a:ext cx="5031928" cy="372973"/>
+          </a:xfrm>
+          <a:prstGeom prst="rect">
+            <a:avLst/>
+          </a:prstGeom>
+        </p:spPr>
+        <p:style>
+          <a:lnRef idx="2">
+            <a:schemeClr val="accent1">
+              <a:shade val="50000"/>
+            </a:schemeClr>
+          </a:lnRef>
+          <a:fillRef idx="1">
+            <a:schemeClr val="accent1"/>
+          </a:fillRef>
+          <a:effectRef idx="0">
+            <a:schemeClr val="accent1"/>
+          </a:effectRef>
+          <a:fontRef idx="minor">
+            <a:schemeClr val="lt1"/>
+          </a:fontRef>
+        </p:style>
+        <p:txBody>
+          <a:bodyPr rtlCol="0" anchor="ctr"/>
+          <a:lstStyle/>
+          <a:p>
+            <a:pPr algn="ctr"/>
+            <a:r>
+              <a:rPr lang="ko-KR" altLang="en-US" dirty="0"/>
+              <a:t>잘못된 코드</a:t>
+            </a:r>
+          </a:p>
+        </p:txBody>
+      </p:sp>
+      <p:sp>
+        <p:nvSpPr>
+          <p:cNvPr id="8" name="직사각형 7">
+            <a:extLst>
+              <a:ext uri="{FF2B5EF4-FFF2-40B4-BE49-F238E27FC236}">
+                <a16:creationId xmlns:a16="http://schemas.microsoft.com/office/drawing/2014/main" id="{9BF8DCBE-9734-419F-AE5F-61C5AC99D2C5}"/>
+              </a:ext>
+            </a:extLst>
+          </p:cNvPr>
+          <p:cNvSpPr/>
+          <p:nvPr/>
+        </p:nvSpPr>
+        <p:spPr>
+          <a:xfrm>
+            <a:off x="6607063" y="807914"/>
+            <a:ext cx="5031928" cy="372973"/>
+          </a:xfrm>
+          <a:prstGeom prst="rect">
+            <a:avLst/>
+          </a:prstGeom>
+        </p:spPr>
+        <p:style>
+          <a:lnRef idx="2">
+            <a:schemeClr val="accent1">
+              <a:shade val="50000"/>
+            </a:schemeClr>
+          </a:lnRef>
+          <a:fillRef idx="1">
+            <a:schemeClr val="accent1"/>
+          </a:fillRef>
+          <a:effectRef idx="0">
+            <a:schemeClr val="accent1"/>
+          </a:effectRef>
+          <a:fontRef idx="minor">
+            <a:schemeClr val="lt1"/>
+          </a:fontRef>
+        </p:style>
+        <p:txBody>
+          <a:bodyPr rtlCol="0" anchor="ctr"/>
+          <a:lstStyle/>
+          <a:p>
+            <a:pPr algn="ctr"/>
+            <a:r>
+              <a:rPr lang="ko-KR" altLang="en-US" dirty="0"/>
+              <a:t>수정된 코드</a:t>
+            </a:r>
+          </a:p>
+        </p:txBody>
+      </p:sp>
+    </p:spTree>
+    <p:extLst>
+      <p:ext uri="{BB962C8B-B14F-4D97-AF65-F5344CB8AC3E}">
+        <p14:creationId xmlns:p14="http://schemas.microsoft.com/office/powerpoint/2010/main" val="163004347"/>
+      </p:ext>
+    </p:extLst>
+  </p:cSld>
+  <p:clrMapOvr>
+    <a:masterClrMapping/>
+  </p:clrMapOvr>
+</p:sld>
+</file>
+
+<file path=ppt/slides/slide6.xml><?xml version="1.0" encoding="utf-8"?>
+<p:sld xmlns:a="http://schemas.openxmlformats.org/drawingml/2006/main" xmlns:r="http://schemas.openxmlformats.org/officeDocument/2006/relationships" xmlns:p="http://schemas.openxmlformats.org/presentationml/2006/main">
+  <p:cSld>
+    <p:spTree>
+      <p:nvGrpSpPr>
+        <p:cNvPr id="1" name=""/>
+        <p:cNvGrpSpPr/>
+        <p:nvPr/>
+      </p:nvGrpSpPr>
+      <p:grpSpPr>
+        <a:xfrm>
+          <a:off x="0" y="0"/>
+          <a:ext cx="0" cy="0"/>
+          <a:chOff x="0" y="0"/>
+          <a:chExt cx="0" cy="0"/>
+        </a:xfrm>
+      </p:grpSpPr>
+      <p:pic>
+        <p:nvPicPr>
+          <p:cNvPr id="3" name="그림 2"/>
+          <p:cNvPicPr>
+            <a:picLocks noChangeAspect="1"/>
+          </p:cNvPicPr>
+          <p:nvPr/>
+        </p:nvPicPr>
+        <p:blipFill>
+          <a:blip r:embed="rId2">
+            <a:extLst>
+              <a:ext uri="{28A0092B-C50C-407E-A947-70E740481C1C}">
+                <a14:useLocalDpi xmlns:a14="http://schemas.microsoft.com/office/drawing/2010/main" val="0"/>
+              </a:ext>
+            </a:extLst>
+          </a:blip>
+          <a:srcRect/>
+          <a:stretch/>
+        </p:blipFill>
+        <p:spPr>
+          <a:xfrm>
+            <a:off x="194038" y="1409908"/>
+            <a:ext cx="11523554" cy="3942268"/>
+          </a:xfrm>
+          <a:prstGeom prst="rect">
+            <a:avLst/>
+          </a:prstGeom>
+          <a:ln>
+            <a:solidFill>
+              <a:schemeClr val="tx1"/>
+            </a:solidFill>
+          </a:ln>
+        </p:spPr>
+      </p:pic>
+      <p:sp>
+        <p:nvSpPr>
+          <p:cNvPr id="11" name="직사각형 10"/>
+          <p:cNvSpPr/>
+          <p:nvPr/>
+        </p:nvSpPr>
+        <p:spPr>
+          <a:xfrm>
+            <a:off x="3524842" y="34729"/>
+            <a:ext cx="5031928" cy="372973"/>
+          </a:xfrm>
+          <a:prstGeom prst="rect">
+            <a:avLst/>
+          </a:prstGeom>
+        </p:spPr>
+        <p:style>
+          <a:lnRef idx="2">
+            <a:schemeClr val="accent1">
+              <a:shade val="50000"/>
+            </a:schemeClr>
+          </a:lnRef>
+          <a:fillRef idx="1">
+            <a:schemeClr val="accent1"/>
+          </a:fillRef>
+          <a:effectRef idx="0">
+            <a:schemeClr val="accent1"/>
+          </a:effectRef>
+          <a:fontRef idx="minor">
+            <a:schemeClr val="lt1"/>
+          </a:fontRef>
+        </p:style>
+        <p:txBody>
+          <a:bodyPr rtlCol="0" anchor="ctr"/>
+          <a:lstStyle/>
+          <a:p>
+            <a:pPr algn="ctr"/>
+            <a:r>
+              <a:rPr lang="ko-KR" altLang="en-US" dirty="0"/>
+              <a:t>스레드 공유 데이터에 대한 동기화 처리 부재</a:t>
+            </a:r>
+          </a:p>
+        </p:txBody>
+      </p:sp>
+      <p:sp>
+        <p:nvSpPr>
+          <p:cNvPr id="7" name="직사각형 6">
+            <a:extLst>
+              <a:ext uri="{FF2B5EF4-FFF2-40B4-BE49-F238E27FC236}">
+                <a16:creationId xmlns:a16="http://schemas.microsoft.com/office/drawing/2014/main" id="{7FA5826C-A080-4663-904E-801F14F8BA20}"/>
+              </a:ext>
+            </a:extLst>
+          </p:cNvPr>
+          <p:cNvSpPr/>
+          <p:nvPr/>
+        </p:nvSpPr>
+        <p:spPr>
+          <a:xfrm>
+            <a:off x="3580036" y="807915"/>
+            <a:ext cx="5031928" cy="372973"/>
+          </a:xfrm>
+          <a:prstGeom prst="rect">
+            <a:avLst/>
+          </a:prstGeom>
+        </p:spPr>
+        <p:style>
+          <a:lnRef idx="2">
+            <a:schemeClr val="accent1">
+              <a:shade val="50000"/>
+            </a:schemeClr>
+          </a:lnRef>
+          <a:fillRef idx="1">
+            <a:schemeClr val="accent1"/>
+          </a:fillRef>
+          <a:effectRef idx="0">
+            <a:schemeClr val="accent1"/>
+          </a:effectRef>
+          <a:fontRef idx="minor">
+            <a:schemeClr val="lt1"/>
+          </a:fontRef>
+        </p:style>
+        <p:txBody>
+          <a:bodyPr rtlCol="0" anchor="ctr"/>
+          <a:lstStyle/>
+          <a:p>
+            <a:pPr algn="ctr"/>
+            <a:r>
+              <a:rPr lang="ko-KR" altLang="en-US" dirty="0"/>
+              <a:t>그럼 이것은</a:t>
+            </a:r>
+            <a:r>
+              <a:rPr lang="en-US" altLang="ko-KR" dirty="0"/>
+              <a:t>?</a:t>
+            </a:r>
+            <a:endParaRPr lang="ko-KR" altLang="en-US" dirty="0"/>
+          </a:p>
+        </p:txBody>
+      </p:sp>
+    </p:spTree>
+    <p:extLst>
+      <p:ext uri="{BB962C8B-B14F-4D97-AF65-F5344CB8AC3E}">
+        <p14:creationId xmlns:p14="http://schemas.microsoft.com/office/powerpoint/2010/main" val="2713447842"/>
+      </p:ext>
+    </p:extLst>
+  </p:cSld>
+  <p:clrMapOvr>
+    <a:masterClrMapping/>
+  </p:clrMapOvr>
+</p:sld>
+</file>
+
+<file path=ppt/slides/slide7.xml><?xml version="1.0" encoding="utf-8"?>
+<p:sld xmlns:a="http://schemas.openxmlformats.org/drawingml/2006/main" xmlns:r="http://schemas.openxmlformats.org/officeDocument/2006/relationships" xmlns:p="http://schemas.openxmlformats.org/presentationml/2006/main">
+  <p:cSld>
+    <p:spTree>
+      <p:nvGrpSpPr>
+        <p:cNvPr id="1" name=""/>
+        <p:cNvGrpSpPr/>
+        <p:nvPr/>
+      </p:nvGrpSpPr>
+      <p:grpSpPr>
+        <a:xfrm>
+          <a:off x="0" y="0"/>
+          <a:ext cx="0" cy="0"/>
+          <a:chOff x="0" y="0"/>
+          <a:chExt cx="0" cy="0"/>
+        </a:xfrm>
+      </p:grpSpPr>
+      <p:sp>
+        <p:nvSpPr>
+          <p:cNvPr id="11" name="직사각형 10"/>
+          <p:cNvSpPr/>
+          <p:nvPr/>
+        </p:nvSpPr>
+        <p:spPr>
+          <a:xfrm>
+            <a:off x="3524842" y="34729"/>
+            <a:ext cx="5031928" cy="372973"/>
+          </a:xfrm>
+          <a:prstGeom prst="rect">
+            <a:avLst/>
+          </a:prstGeom>
+        </p:spPr>
+        <p:style>
+          <a:lnRef idx="2">
+            <a:schemeClr val="accent1">
+              <a:shade val="50000"/>
+            </a:schemeClr>
+          </a:lnRef>
+          <a:fillRef idx="1">
+            <a:schemeClr val="accent1"/>
+          </a:fillRef>
+          <a:effectRef idx="0">
+            <a:schemeClr val="accent1"/>
+          </a:effectRef>
+          <a:fontRef idx="minor">
+            <a:schemeClr val="lt1"/>
+          </a:fontRef>
+        </p:style>
+        <p:txBody>
+          <a:bodyPr rtlCol="0" anchor="ctr"/>
+          <a:lstStyle/>
+          <a:p>
+            <a:pPr algn="ctr"/>
+            <a:r>
+              <a:rPr lang="ko-KR" altLang="en-US" dirty="0"/>
+              <a:t>캡슐화 위배</a:t>
+            </a:r>
+          </a:p>
+        </p:txBody>
+      </p:sp>
+      <p:sp>
+        <p:nvSpPr>
+          <p:cNvPr id="7" name="직사각형 6">
+            <a:extLst>
+              <a:ext uri="{FF2B5EF4-FFF2-40B4-BE49-F238E27FC236}">
+                <a16:creationId xmlns:a16="http://schemas.microsoft.com/office/drawing/2014/main" id="{7FA5826C-A080-4663-904E-801F14F8BA20}"/>
+              </a:ext>
+            </a:extLst>
+          </p:cNvPr>
+          <p:cNvSpPr/>
+          <p:nvPr/>
+        </p:nvSpPr>
+        <p:spPr>
+          <a:xfrm>
+            <a:off x="3580036" y="807915"/>
+            <a:ext cx="5031928" cy="372973"/>
+          </a:xfrm>
+          <a:prstGeom prst="rect">
+            <a:avLst/>
+          </a:prstGeom>
+        </p:spPr>
+        <p:style>
+          <a:lnRef idx="2">
+            <a:schemeClr val="accent1">
+              <a:shade val="50000"/>
+            </a:schemeClr>
+          </a:lnRef>
+          <a:fillRef idx="1">
+            <a:schemeClr val="accent1"/>
+          </a:fillRef>
+          <a:effectRef idx="0">
+            <a:schemeClr val="accent1"/>
+          </a:effectRef>
+          <a:fontRef idx="minor">
+            <a:schemeClr val="lt1"/>
+          </a:fontRef>
+        </p:style>
+        <p:txBody>
+          <a:bodyPr rtlCol="0" anchor="ctr"/>
+          <a:lstStyle/>
+          <a:p>
+            <a:pPr algn="ctr"/>
+            <a:r>
+              <a:rPr lang="ko-KR" altLang="en-US" dirty="0"/>
+              <a:t>캡슐화 이유</a:t>
+            </a:r>
+            <a:endParaRPr lang="en-US" altLang="ko-KR" dirty="0"/>
+          </a:p>
+        </p:txBody>
+      </p:sp>
+      <p:sp>
+        <p:nvSpPr>
+          <p:cNvPr id="2" name="직사각형 1">
+            <a:extLst>
+              <a:ext uri="{FF2B5EF4-FFF2-40B4-BE49-F238E27FC236}">
+                <a16:creationId xmlns:a16="http://schemas.microsoft.com/office/drawing/2014/main" id="{1F633A33-2BD3-4F0E-9E57-FC04114FFF9B}"/>
+              </a:ext>
+            </a:extLst>
+          </p:cNvPr>
+          <p:cNvSpPr/>
+          <p:nvPr/>
+        </p:nvSpPr>
+        <p:spPr>
+          <a:xfrm>
+            <a:off x="3397541" y="1510018"/>
+            <a:ext cx="5273879" cy="3187817"/>
+          </a:xfrm>
+          <a:prstGeom prst="rect">
+            <a:avLst/>
+          </a:prstGeom>
+        </p:spPr>
+        <p:style>
+          <a:lnRef idx="2">
+            <a:schemeClr val="accent1">
+              <a:shade val="50000"/>
+            </a:schemeClr>
+          </a:lnRef>
+          <a:fillRef idx="1">
+            <a:schemeClr val="accent1"/>
+          </a:fillRef>
+          <a:effectRef idx="0">
+            <a:schemeClr val="accent1"/>
+          </a:effectRef>
+          <a:fontRef idx="minor">
+            <a:schemeClr val="lt1"/>
+          </a:fontRef>
+        </p:style>
+        <p:txBody>
+          <a:bodyPr rtlCol="0" anchor="ctr"/>
+          <a:lstStyle/>
+          <a:p>
+            <a:pPr algn="ctr"/>
+            <a:r>
+              <a:rPr lang="ko-KR" altLang="en-US"/>
+              <a:t>객체의 필드</a:t>
+            </a:r>
+            <a:r>
+              <a:rPr lang="en-US" altLang="ko-KR"/>
+              <a:t>(</a:t>
+            </a:r>
+            <a:r>
+              <a:rPr lang="ko-KR" altLang="en-US"/>
+              <a:t>속성</a:t>
+            </a:r>
+            <a:r>
+              <a:rPr lang="en-US" altLang="ko-KR"/>
+              <a:t>), </a:t>
+            </a:r>
+            <a:r>
+              <a:rPr lang="ko-KR" altLang="en-US"/>
+              <a:t>메소드를 하나로 묶고</a:t>
+            </a:r>
+            <a:r>
+              <a:rPr lang="en-US" altLang="ko-KR"/>
+              <a:t>, </a:t>
+            </a:r>
+            <a:r>
+              <a:rPr lang="ko-KR" altLang="en-US"/>
+              <a:t>실제 구현 내용을 외부에 감추는 것을 말한다</a:t>
+            </a:r>
+            <a:r>
+              <a:rPr lang="en-US" altLang="ko-KR"/>
+              <a:t>. ... </a:t>
+            </a:r>
+            <a:r>
+              <a:rPr lang="ko-KR" altLang="en-US"/>
+              <a:t>필드와 메소드를 </a:t>
+            </a:r>
+            <a:r>
+              <a:rPr lang="ko-KR" altLang="en-US" b="1"/>
+              <a:t>캡슐화</a:t>
+            </a:r>
+            <a:r>
+              <a:rPr lang="ko-KR" altLang="en-US"/>
+              <a:t>하여 보호하는 </a:t>
+            </a:r>
+            <a:r>
+              <a:rPr lang="ko-KR" altLang="en-US" b="1"/>
+              <a:t>이유</a:t>
+            </a:r>
+            <a:r>
+              <a:rPr lang="ko-KR" altLang="en-US"/>
+              <a:t>는 외부의 잘못된 사용으로 인해 객체가 손상되지 않도록 하는데 있다</a:t>
+            </a:r>
+            <a:r>
+              <a:rPr lang="en-US" altLang="ko-KR"/>
+              <a:t>.</a:t>
+            </a:r>
+            <a:endParaRPr lang="ko-KR" altLang="en-US"/>
+          </a:p>
+        </p:txBody>
+      </p:sp>
+      <p:sp>
+        <p:nvSpPr>
+          <p:cNvPr id="4" name="직사각형 3">
+            <a:extLst>
+              <a:ext uri="{FF2B5EF4-FFF2-40B4-BE49-F238E27FC236}">
+                <a16:creationId xmlns:a16="http://schemas.microsoft.com/office/drawing/2014/main" id="{9508545B-72DB-4F4D-9086-344CA2962007}"/>
+              </a:ext>
+            </a:extLst>
+          </p:cNvPr>
+          <p:cNvSpPr/>
+          <p:nvPr/>
+        </p:nvSpPr>
+        <p:spPr>
+          <a:xfrm>
+            <a:off x="3397541" y="4874004"/>
+            <a:ext cx="5273879" cy="1812022"/>
+          </a:xfrm>
+          <a:prstGeom prst="rect">
+            <a:avLst/>
+          </a:prstGeom>
+        </p:spPr>
+        <p:style>
+          <a:lnRef idx="2">
+            <a:schemeClr val="accent1">
+              <a:shade val="50000"/>
+            </a:schemeClr>
+          </a:lnRef>
+          <a:fillRef idx="1">
+            <a:schemeClr val="accent1"/>
+          </a:fillRef>
+          <a:effectRef idx="0">
+            <a:schemeClr val="accent1"/>
+          </a:effectRef>
+          <a:fontRef idx="minor">
+            <a:schemeClr val="lt1"/>
+          </a:fontRef>
+        </p:style>
+        <p:txBody>
+          <a:bodyPr rtlCol="0" anchor="ctr"/>
+          <a:lstStyle/>
+          <a:p>
+            <a:pPr algn="ctr"/>
+            <a:r>
+              <a:rPr lang="ko-KR" altLang="en-US" dirty="0"/>
+              <a:t>배열을 일반 </a:t>
+            </a:r>
+            <a:r>
+              <a:rPr lang="en-US" altLang="ko-KR" dirty="0"/>
+              <a:t>getter, setter</a:t>
+            </a:r>
+            <a:r>
+              <a:rPr lang="ko-KR" altLang="en-US" dirty="0"/>
+              <a:t>로 사용하면 </a:t>
+            </a:r>
+            <a:r>
+              <a:rPr lang="en-US" altLang="ko-KR" dirty="0"/>
+              <a:t>getter</a:t>
+            </a:r>
+            <a:r>
+              <a:rPr lang="ko-KR" altLang="en-US" dirty="0"/>
+              <a:t>만 해도 원본 데이터를 변경 할 수 있다</a:t>
+            </a:r>
+            <a:r>
+              <a:rPr lang="en-US" altLang="ko-KR" dirty="0"/>
+              <a:t>.</a:t>
+            </a:r>
+          </a:p>
+          <a:p>
+            <a:pPr algn="ctr"/>
+            <a:r>
+              <a:rPr lang="ko-KR" altLang="en-US" dirty="0"/>
+              <a:t>그럼으로 배열을 캡슐화 할 경우에는 복사를 이용해서 캡슐화 </a:t>
+            </a:r>
+            <a:r>
+              <a:rPr lang="ko-KR" altLang="en-US" dirty="0" err="1"/>
+              <a:t>해야한다</a:t>
+            </a:r>
+            <a:endParaRPr lang="ko-KR" altLang="en-US" dirty="0"/>
+          </a:p>
+        </p:txBody>
+      </p:sp>
+    </p:spTree>
+    <p:extLst>
+      <p:ext uri="{BB962C8B-B14F-4D97-AF65-F5344CB8AC3E}">
+        <p14:creationId xmlns:p14="http://schemas.microsoft.com/office/powerpoint/2010/main" val="2180309186"/>
+      </p:ext>
+    </p:extLst>
+  </p:cSld>
+  <p:clrMapOvr>
+    <a:masterClrMapping/>
+  </p:clrMapOvr>
+</p:sld>
+</file>
+
+<file path=ppt/slides/slide8.xml><?xml version="1.0" encoding="utf-8"?>
+<p:sld xmlns:a="http://schemas.openxmlformats.org/drawingml/2006/main" xmlns:r="http://schemas.openxmlformats.org/officeDocument/2006/relationships" xmlns:p="http://schemas.openxmlformats.org/presentationml/2006/main">
+  <p:cSld>
+    <p:spTree>
+      <p:nvGrpSpPr>
+        <p:cNvPr id="1" name=""/>
+        <p:cNvGrpSpPr/>
+        <p:nvPr/>
+      </p:nvGrpSpPr>
+      <p:grpSpPr>
+        <a:xfrm>
+          <a:off x="0" y="0"/>
+          <a:ext cx="0" cy="0"/>
+          <a:chOff x="0" y="0"/>
+          <a:chExt cx="0" cy="0"/>
+        </a:xfrm>
+      </p:grpSpPr>
+      <p:sp>
+        <p:nvSpPr>
+          <p:cNvPr id="11" name="직사각형 10"/>
+          <p:cNvSpPr/>
+          <p:nvPr/>
+        </p:nvSpPr>
+        <p:spPr>
+          <a:xfrm>
+            <a:off x="3524842" y="34729"/>
+            <a:ext cx="5031928" cy="372973"/>
+          </a:xfrm>
+          <a:prstGeom prst="rect">
+            <a:avLst/>
+          </a:prstGeom>
+        </p:spPr>
+        <p:style>
+          <a:lnRef idx="2">
+            <a:schemeClr val="accent1">
+              <a:shade val="50000"/>
+            </a:schemeClr>
+          </a:lnRef>
+          <a:fillRef idx="1">
+            <a:schemeClr val="accent1"/>
+          </a:fillRef>
+          <a:effectRef idx="0">
+            <a:schemeClr val="accent1"/>
+          </a:effectRef>
+          <a:fontRef idx="minor">
+            <a:schemeClr val="lt1"/>
+          </a:fontRef>
+        </p:style>
+        <p:txBody>
+          <a:bodyPr rtlCol="0" anchor="ctr"/>
+          <a:lstStyle/>
+          <a:p>
+            <a:pPr algn="ctr"/>
+            <a:r>
+              <a:rPr lang="ko-KR" altLang="en-US" dirty="0"/>
+              <a:t>잘못된 캡슐화</a:t>
+            </a:r>
+          </a:p>
+        </p:txBody>
+      </p:sp>
+      <p:sp>
+        <p:nvSpPr>
+          <p:cNvPr id="7" name="직사각형 6">
+            <a:extLst>
+              <a:ext uri="{FF2B5EF4-FFF2-40B4-BE49-F238E27FC236}">
+                <a16:creationId xmlns:a16="http://schemas.microsoft.com/office/drawing/2014/main" id="{7FA5826C-A080-4663-904E-801F14F8BA20}"/>
+              </a:ext>
+            </a:extLst>
+          </p:cNvPr>
+          <p:cNvSpPr/>
+          <p:nvPr/>
+        </p:nvSpPr>
+        <p:spPr>
+          <a:xfrm>
+            <a:off x="417387" y="1693643"/>
+            <a:ext cx="5031928" cy="372973"/>
+          </a:xfrm>
+          <a:prstGeom prst="rect">
+            <a:avLst/>
+          </a:prstGeom>
+        </p:spPr>
+        <p:style>
+          <a:lnRef idx="2">
+            <a:schemeClr val="accent1">
+              <a:shade val="50000"/>
+            </a:schemeClr>
+          </a:lnRef>
+          <a:fillRef idx="1">
+            <a:schemeClr val="accent1"/>
+          </a:fillRef>
+          <a:effectRef idx="0">
+            <a:schemeClr val="accent1"/>
+          </a:effectRef>
+          <a:fontRef idx="minor">
+            <a:schemeClr val="lt1"/>
+          </a:fontRef>
+        </p:style>
+        <p:txBody>
+          <a:bodyPr rtlCol="0" anchor="ctr"/>
+          <a:lstStyle/>
+          <a:p>
+            <a:pPr algn="ctr"/>
+            <a:r>
+              <a:rPr lang="ko-KR" altLang="en-US" dirty="0"/>
+              <a:t>나쁜 예</a:t>
+            </a:r>
+          </a:p>
+        </p:txBody>
+      </p:sp>
+      <p:sp>
+        <p:nvSpPr>
+          <p:cNvPr id="5" name="직사각형 4">
+            <a:extLst>
+              <a:ext uri="{FF2B5EF4-FFF2-40B4-BE49-F238E27FC236}">
+                <a16:creationId xmlns:a16="http://schemas.microsoft.com/office/drawing/2014/main" id="{78CEE3E8-D0F8-45EF-B36D-932025D4760E}"/>
+              </a:ext>
+            </a:extLst>
+          </p:cNvPr>
+          <p:cNvSpPr/>
+          <p:nvPr/>
+        </p:nvSpPr>
+        <p:spPr>
+          <a:xfrm>
+            <a:off x="6607063" y="1688759"/>
+            <a:ext cx="5031928" cy="372973"/>
+          </a:xfrm>
+          <a:prstGeom prst="rect">
+            <a:avLst/>
+          </a:prstGeom>
+        </p:spPr>
+        <p:style>
+          <a:lnRef idx="2">
+            <a:schemeClr val="accent1">
+              <a:shade val="50000"/>
+            </a:schemeClr>
+          </a:lnRef>
+          <a:fillRef idx="1">
+            <a:schemeClr val="accent1"/>
+          </a:fillRef>
+          <a:effectRef idx="0">
+            <a:schemeClr val="accent1"/>
+          </a:effectRef>
+          <a:fontRef idx="minor">
+            <a:schemeClr val="lt1"/>
+          </a:fontRef>
+        </p:style>
+        <p:txBody>
+          <a:bodyPr rtlCol="0" anchor="ctr"/>
+          <a:lstStyle/>
+          <a:p>
+            <a:pPr algn="ctr"/>
+            <a:r>
+              <a:rPr lang="ko-KR" altLang="en-US" dirty="0"/>
+              <a:t>좋은 예</a:t>
+            </a:r>
+          </a:p>
+        </p:txBody>
+      </p:sp>
+      <p:pic>
+        <p:nvPicPr>
+          <p:cNvPr id="6" name="그림 5">
+            <a:extLst>
+              <a:ext uri="{FF2B5EF4-FFF2-40B4-BE49-F238E27FC236}">
+                <a16:creationId xmlns:a16="http://schemas.microsoft.com/office/drawing/2014/main" id="{F35820BA-AB8E-4C6F-A8FD-8D2820027839}"/>
+              </a:ext>
+            </a:extLst>
+          </p:cNvPr>
+          <p:cNvPicPr>
+            <a:picLocks noChangeAspect="1"/>
+          </p:cNvPicPr>
+          <p:nvPr/>
+        </p:nvPicPr>
+        <p:blipFill>
+          <a:blip r:embed="rId2">
+            <a:extLst>
+              <a:ext uri="{28A0092B-C50C-407E-A947-70E740481C1C}">
+                <a14:useLocalDpi xmlns:a14="http://schemas.microsoft.com/office/drawing/2010/main" val="0"/>
+              </a:ext>
+            </a:extLst>
+          </a:blip>
+          <a:srcRect/>
+          <a:stretch/>
+        </p:blipFill>
+        <p:spPr>
+          <a:xfrm>
+            <a:off x="194038" y="2307180"/>
+            <a:ext cx="5901962" cy="2591966"/>
+          </a:xfrm>
+          <a:prstGeom prst="rect">
+            <a:avLst/>
+          </a:prstGeom>
+          <a:ln>
+            <a:solidFill>
+              <a:schemeClr val="tx1"/>
+            </a:solidFill>
+          </a:ln>
+        </p:spPr>
+      </p:pic>
+      <p:pic>
+        <p:nvPicPr>
+          <p:cNvPr id="8" name="그림 7">
+            <a:extLst>
+              <a:ext uri="{FF2B5EF4-FFF2-40B4-BE49-F238E27FC236}">
+                <a16:creationId xmlns:a16="http://schemas.microsoft.com/office/drawing/2014/main" id="{37688F8A-53CB-4642-984F-D16B84EF7B79}"/>
+              </a:ext>
+            </a:extLst>
+          </p:cNvPr>
+          <p:cNvPicPr>
+            <a:picLocks noChangeAspect="1"/>
+          </p:cNvPicPr>
+          <p:nvPr/>
+        </p:nvPicPr>
+        <p:blipFill>
+          <a:blip r:embed="rId3">
+            <a:extLst>
+              <a:ext uri="{28A0092B-C50C-407E-A947-70E740481C1C}">
+                <a14:useLocalDpi xmlns:a14="http://schemas.microsoft.com/office/drawing/2010/main" val="0"/>
+              </a:ext>
+            </a:extLst>
+          </a:blip>
+          <a:srcRect/>
+          <a:stretch/>
+        </p:blipFill>
+        <p:spPr>
+          <a:xfrm>
+            <a:off x="6205637" y="2307180"/>
+            <a:ext cx="5834780" cy="2591967"/>
+          </a:xfrm>
+          <a:prstGeom prst="rect">
+            <a:avLst/>
+          </a:prstGeom>
+          <a:ln>
+            <a:solidFill>
+              <a:schemeClr val="tx1"/>
+            </a:solidFill>
+          </a:ln>
+        </p:spPr>
+      </p:pic>
+    </p:spTree>
+    <p:extLst>
+      <p:ext uri="{BB962C8B-B14F-4D97-AF65-F5344CB8AC3E}">
+        <p14:creationId xmlns:p14="http://schemas.microsoft.com/office/powerpoint/2010/main" val="1663377700"/>
+      </p:ext>
+    </p:extLst>
+  </p:cSld>
+  <p:clrMapOvr>
+    <a:masterClrMapping/>
+  </p:clrMapOvr>
+</p:sld>
+</file>
+
+<file path=ppt/slides/slide9.xml><?xml version="1.0" encoding="utf-8"?>
+<p:sld xmlns:a="http://schemas.openxmlformats.org/drawingml/2006/main" xmlns:r="http://schemas.openxmlformats.org/officeDocument/2006/relationships" xmlns:p="http://schemas.openxmlformats.org/presentationml/2006/main">
+  <p:cSld>
+    <p:spTree>
+      <p:nvGrpSpPr>
+        <p:cNvPr id="1" name=""/>
+        <p:cNvGrpSpPr/>
+        <p:nvPr/>
+      </p:nvGrpSpPr>
+      <p:grpSpPr>
+        <a:xfrm>
+          <a:off x="0" y="0"/>
+          <a:ext cx="0" cy="0"/>
+          <a:chOff x="0" y="0"/>
+          <a:chExt cx="0" cy="0"/>
+        </a:xfrm>
+      </p:grpSpPr>
+      <p:sp>
+        <p:nvSpPr>
+          <p:cNvPr id="11" name="직사각형 10"/>
+          <p:cNvSpPr/>
+          <p:nvPr/>
+        </p:nvSpPr>
+        <p:spPr>
+          <a:xfrm>
+            <a:off x="3524842" y="34729"/>
+            <a:ext cx="5031928" cy="372973"/>
+          </a:xfrm>
+          <a:prstGeom prst="rect">
+            <a:avLst/>
+          </a:prstGeom>
+        </p:spPr>
+        <p:style>
+          <a:lnRef idx="2">
+            <a:schemeClr val="accent1">
+              <a:shade val="50000"/>
+            </a:schemeClr>
+          </a:lnRef>
+          <a:fillRef idx="1">
+            <a:schemeClr val="accent1"/>
+          </a:fillRef>
+          <a:effectRef idx="0">
+            <a:schemeClr val="accent1"/>
+          </a:effectRef>
+          <a:fontRef idx="minor">
+            <a:schemeClr val="lt1"/>
+          </a:fontRef>
+        </p:style>
+        <p:txBody>
+          <a:bodyPr rtlCol="0" anchor="ctr"/>
+          <a:lstStyle/>
+          <a:p>
+            <a:pPr algn="ctr"/>
+            <a:r>
+              <a:rPr lang="ko-KR" altLang="en-US" dirty="0"/>
+              <a:t>잘못된 </a:t>
+            </a:r>
+            <a:r>
+              <a:rPr lang="en-US" altLang="ko-KR" dirty="0" err="1"/>
+              <a:t>api</a:t>
+            </a:r>
+            <a:r>
+              <a:rPr lang="en-US" altLang="ko-KR" dirty="0"/>
+              <a:t> </a:t>
+            </a:r>
+            <a:r>
+              <a:rPr lang="ko-KR" altLang="en-US" dirty="0"/>
+              <a:t>사용</a:t>
+            </a:r>
+          </a:p>
+        </p:txBody>
+      </p:sp>
+      <p:sp>
+        <p:nvSpPr>
+          <p:cNvPr id="2" name="직사각형 1">
+            <a:extLst>
+              <a:ext uri="{FF2B5EF4-FFF2-40B4-BE49-F238E27FC236}">
+                <a16:creationId xmlns:a16="http://schemas.microsoft.com/office/drawing/2014/main" id="{1F633A33-2BD3-4F0E-9E57-FC04114FFF9B}"/>
+              </a:ext>
+            </a:extLst>
+          </p:cNvPr>
+          <p:cNvSpPr/>
+          <p:nvPr/>
+        </p:nvSpPr>
+        <p:spPr>
+          <a:xfrm>
+            <a:off x="3397541" y="612397"/>
+            <a:ext cx="5273879" cy="906010"/>
+          </a:xfrm>
+          <a:prstGeom prst="rect">
+            <a:avLst/>
+          </a:prstGeom>
+        </p:spPr>
+        <p:style>
+          <a:lnRef idx="2">
+            <a:schemeClr val="accent1">
+              <a:shade val="50000"/>
+            </a:schemeClr>
+          </a:lnRef>
+          <a:fillRef idx="1">
+            <a:schemeClr val="accent1"/>
+          </a:fillRef>
+          <a:effectRef idx="0">
+            <a:schemeClr val="accent1"/>
+          </a:effectRef>
+          <a:fontRef idx="minor">
+            <a:schemeClr val="lt1"/>
+          </a:fontRef>
+        </p:style>
+        <p:txBody>
+          <a:bodyPr rtlCol="0" anchor="ctr"/>
+          <a:lstStyle/>
+          <a:p>
+            <a:pPr algn="ctr"/>
+            <a:r>
+              <a:rPr lang="ko-KR" altLang="en-US" dirty="0"/>
+              <a:t>중요한 결정을 외부데이터로 받아 쓰는 것은 좋지않다</a:t>
+            </a:r>
+            <a:r>
+              <a:rPr lang="en-US" altLang="ko-KR" dirty="0"/>
+              <a:t>.</a:t>
+            </a:r>
+          </a:p>
+        </p:txBody>
+      </p:sp>
+      <p:sp>
+        <p:nvSpPr>
+          <p:cNvPr id="4" name="직사각형 3">
+            <a:extLst>
+              <a:ext uri="{FF2B5EF4-FFF2-40B4-BE49-F238E27FC236}">
+                <a16:creationId xmlns:a16="http://schemas.microsoft.com/office/drawing/2014/main" id="{9508545B-72DB-4F4D-9086-344CA2962007}"/>
+              </a:ext>
+            </a:extLst>
+          </p:cNvPr>
+          <p:cNvSpPr/>
+          <p:nvPr/>
+        </p:nvSpPr>
+        <p:spPr>
+          <a:xfrm>
+            <a:off x="3397540" y="1723102"/>
+            <a:ext cx="5273879" cy="432869"/>
+          </a:xfrm>
+          <a:prstGeom prst="rect">
+            <a:avLst/>
+          </a:prstGeom>
+        </p:spPr>
+        <p:style>
+          <a:lnRef idx="2">
+            <a:schemeClr val="accent1">
+              <a:shade val="50000"/>
+            </a:schemeClr>
+          </a:lnRef>
+          <a:fillRef idx="1">
+            <a:schemeClr val="accent1"/>
+          </a:fillRef>
+          <a:effectRef idx="0">
+            <a:schemeClr val="accent1"/>
+          </a:effectRef>
+          <a:fontRef idx="minor">
+            <a:schemeClr val="lt1"/>
+          </a:fontRef>
+        </p:style>
+        <p:txBody>
+          <a:bodyPr rtlCol="0" anchor="ctr"/>
+          <a:lstStyle/>
+          <a:p>
+            <a:pPr algn="ctr"/>
+            <a:r>
+              <a:rPr lang="en-US" altLang="ko-KR" dirty="0"/>
+              <a:t>DNS </a:t>
+            </a:r>
+            <a:r>
+              <a:rPr lang="ko-KR" altLang="en-US" dirty="0" err="1"/>
+              <a:t>스푸핑</a:t>
+            </a:r>
+            <a:r>
+              <a:rPr lang="ko-KR" altLang="en-US" dirty="0"/>
+              <a:t> 을 당하기 쉽다</a:t>
+            </a:r>
+            <a:r>
+              <a:rPr lang="en-US" altLang="ko-KR" dirty="0"/>
+              <a:t>.</a:t>
+            </a:r>
+            <a:endParaRPr lang="ko-KR" altLang="en-US" dirty="0"/>
+          </a:p>
+        </p:txBody>
+      </p:sp>
+      <p:sp>
+        <p:nvSpPr>
+          <p:cNvPr id="6" name="직사각형 5">
+            <a:extLst>
+              <a:ext uri="{FF2B5EF4-FFF2-40B4-BE49-F238E27FC236}">
+                <a16:creationId xmlns:a16="http://schemas.microsoft.com/office/drawing/2014/main" id="{A3A57631-F6E9-47F0-AB56-E7C7F025D9CC}"/>
+              </a:ext>
+            </a:extLst>
+          </p:cNvPr>
+          <p:cNvSpPr/>
+          <p:nvPr/>
+        </p:nvSpPr>
+        <p:spPr>
+          <a:xfrm>
+            <a:off x="3397540" y="2459372"/>
+            <a:ext cx="5273879" cy="2574021"/>
+          </a:xfrm>
+          <a:prstGeom prst="rect">
+            <a:avLst/>
+          </a:prstGeom>
+        </p:spPr>
+        <p:style>
+          <a:lnRef idx="2">
+            <a:schemeClr val="accent1">
+              <a:shade val="50000"/>
+            </a:schemeClr>
+          </a:lnRef>
+          <a:fillRef idx="1">
+            <a:schemeClr val="accent1"/>
+          </a:fillRef>
+          <a:effectRef idx="0">
+            <a:schemeClr val="accent1"/>
+          </a:effectRef>
+          <a:fontRef idx="minor">
+            <a:schemeClr val="lt1"/>
+          </a:fontRef>
+        </p:style>
+        <p:txBody>
+          <a:bodyPr rtlCol="0" anchor="ctr"/>
+          <a:lstStyle/>
+          <a:p>
+            <a:pPr algn="ctr"/>
+            <a:r>
+              <a:rPr lang="en-US" altLang="ko-KR" dirty="0"/>
+              <a:t>DNS </a:t>
+            </a:r>
+            <a:r>
+              <a:rPr lang="ko-KR" altLang="en-US" dirty="0" err="1"/>
+              <a:t>스푸핑</a:t>
+            </a:r>
+            <a:r>
+              <a:rPr lang="en-US" altLang="ko-KR" dirty="0"/>
+              <a:t>?</a:t>
+            </a:r>
+          </a:p>
+          <a:p>
+            <a:pPr algn="ctr"/>
+            <a:r>
+              <a:rPr lang="en-US" altLang="ko-KR" dirty="0"/>
+              <a:t>DNS </a:t>
+            </a:r>
+            <a:r>
+              <a:rPr lang="ko-KR" altLang="en-US" dirty="0" err="1"/>
+              <a:t>스푸핑의</a:t>
+            </a:r>
+            <a:r>
+              <a:rPr lang="ko-KR" altLang="en-US" dirty="0"/>
+              <a:t> 공격자는 사용자 컴퓨터에서 전달되는 요청 내용을 중간에서 탈취</a:t>
+            </a:r>
+            <a:r>
+              <a:rPr lang="en-US" altLang="ko-KR" dirty="0"/>
+              <a:t>, </a:t>
+            </a:r>
+            <a:r>
+              <a:rPr lang="ko-KR" altLang="en-US" dirty="0"/>
+              <a:t>변조하여 악성 사이트로 유도합니다</a:t>
+            </a:r>
+            <a:r>
+              <a:rPr lang="en-US" altLang="ko-KR" dirty="0"/>
+              <a:t>. </a:t>
+            </a:r>
+            <a:br>
+              <a:rPr lang="ko-KR" altLang="en-US" dirty="0"/>
+            </a:br>
+            <a:r>
+              <a:rPr lang="ko-KR" altLang="en-US" dirty="0"/>
+              <a:t>또한 </a:t>
+            </a:r>
+            <a:r>
+              <a:rPr lang="en-US" altLang="ko-KR" dirty="0"/>
+              <a:t>DNS </a:t>
+            </a:r>
+            <a:r>
+              <a:rPr lang="ko-KR" altLang="en-US" dirty="0"/>
+              <a:t>서버가 해킹되어 사용자 컴퓨터 내에 저장되어 있는 </a:t>
+            </a:r>
+            <a:r>
+              <a:rPr lang="en-US" altLang="ko-KR" dirty="0"/>
+              <a:t>DNS</a:t>
+            </a:r>
+            <a:r>
+              <a:rPr lang="ko-KR" altLang="en-US" dirty="0"/>
+              <a:t>를 바꿔 치기 하는 경우</a:t>
+            </a:r>
+            <a:r>
+              <a:rPr lang="en-US" altLang="ko-KR" dirty="0"/>
+              <a:t>, </a:t>
+            </a:r>
+            <a:r>
+              <a:rPr lang="ko-KR" altLang="en-US" dirty="0"/>
+              <a:t>가짜 웹사이트에서 사용자가 입력하는 정보를 탈취하는 </a:t>
+            </a:r>
+            <a:r>
+              <a:rPr lang="ko-KR" altLang="en-US" dirty="0" err="1"/>
+              <a:t>파밍</a:t>
+            </a:r>
+            <a:r>
+              <a:rPr lang="ko-KR" altLang="en-US" dirty="0"/>
+              <a:t> 공격으로 이어지기도 합니다</a:t>
+            </a:r>
+            <a:r>
+              <a:rPr lang="en-US" altLang="ko-KR" dirty="0"/>
+              <a:t>.</a:t>
+            </a:r>
+            <a:endParaRPr lang="ko-KR" altLang="en-US" dirty="0"/>
+          </a:p>
+        </p:txBody>
+      </p:sp>
+    </p:spTree>
+    <p:extLst>
+      <p:ext uri="{BB962C8B-B14F-4D97-AF65-F5344CB8AC3E}">
+        <p14:creationId xmlns:p14="http://schemas.microsoft.com/office/powerpoint/2010/main" val="3245146128"/>
       </p:ext>
     </p:extLst>
   </p:cSld>
